--- a/PPT.pptx
+++ b/PPT.pptx
@@ -25,18 +25,18 @@
   <p:notesSz cx="6858000" cy="9144000"/>
   <p:embeddedFontLst>
     <p:embeddedFont>
-      <p:font typeface="Open Sans" panose="020B0604020202020204" charset="0"/>
+      <p:font typeface="Calibri" panose="020F0502020204030204" pitchFamily="34" charset="0"/>
       <p:regular r:id="rId17"/>
+      <p:bold r:id="rId18"/>
+      <p:italic r:id="rId19"/>
+      <p:boldItalic r:id="rId20"/>
     </p:embeddedFont>
     <p:embeddedFont>
-      <p:font typeface="Calibri" panose="020F0502020204030204" pitchFamily="34" charset="0"/>
-      <p:regular r:id="rId18"/>
-      <p:bold r:id="rId19"/>
-      <p:italic r:id="rId20"/>
-      <p:boldItalic r:id="rId21"/>
+      <p:font typeface="Open Sans" panose="020B0604020202020204" charset="0"/>
+      <p:regular r:id="rId21"/>
     </p:embeddedFont>
     <p:embeddedFont>
-      <p:font typeface="Inria Serif" panose="020B0604020202020204" charset="0"/>
+      <p:font typeface="Inria Serif Italics" panose="020B0604020202020204" charset="0"/>
       <p:regular r:id="rId22"/>
     </p:embeddedFont>
     <p:embeddedFont>
@@ -44,7 +44,7 @@
       <p:regular r:id="rId23"/>
     </p:embeddedFont>
     <p:embeddedFont>
-      <p:font typeface="Inria Serif Italics" panose="020B0604020202020204" charset="0"/>
+      <p:font typeface="Inria Serif" panose="020B0604020202020204" charset="0"/>
       <p:regular r:id="rId24"/>
     </p:embeddedFont>
   </p:embeddedFontLst>
@@ -3261,7 +3261,7 @@
             <a:blip r:embed="rId2">
               <a:extLst>
                 <a:ext uri="{96DAC541-7B7A-43D3-8B79-37D633B846F1}">
-                  <asvg:svgBlip xmlns:asvg="http://schemas.microsoft.com/office/drawing/2016/SVG/main" xmlns="" r:embed="rId3"/>
+                  <asvg:svgBlip xmlns="" xmlns:asvg="http://schemas.microsoft.com/office/drawing/2016/SVG/main" r:embed="rId3"/>
                 </a:ext>
               </a:extLst>
             </a:blip>
@@ -3313,7 +3313,7 @@
             <a:blip r:embed="rId4">
               <a:extLst>
                 <a:ext uri="{96DAC541-7B7A-43D3-8B79-37D633B846F1}">
-                  <asvg:svgBlip xmlns:asvg="http://schemas.microsoft.com/office/drawing/2016/SVG/main" xmlns="" r:embed="rId5"/>
+                  <asvg:svgBlip xmlns="" xmlns:asvg="http://schemas.microsoft.com/office/drawing/2016/SVG/main" r:embed="rId5"/>
                 </a:ext>
               </a:extLst>
             </a:blip>
@@ -3365,7 +3365,7 @@
             <a:blip r:embed="rId6">
               <a:extLst>
                 <a:ext uri="{96DAC541-7B7A-43D3-8B79-37D633B846F1}">
-                  <asvg:svgBlip xmlns:asvg="http://schemas.microsoft.com/office/drawing/2016/SVG/main" xmlns="" r:embed="rId7"/>
+                  <asvg:svgBlip xmlns="" xmlns:asvg="http://schemas.microsoft.com/office/drawing/2016/SVG/main" r:embed="rId7"/>
                 </a:ext>
               </a:extLst>
             </a:blip>
@@ -3417,7 +3417,7 @@
             <a:blip r:embed="rId8">
               <a:extLst>
                 <a:ext uri="{96DAC541-7B7A-43D3-8B79-37D633B846F1}">
-                  <asvg:svgBlip xmlns:asvg="http://schemas.microsoft.com/office/drawing/2016/SVG/main" xmlns="" r:embed="rId9"/>
+                  <asvg:svgBlip xmlns="" xmlns:asvg="http://schemas.microsoft.com/office/drawing/2016/SVG/main" r:embed="rId9"/>
                 </a:ext>
               </a:extLst>
             </a:blip>
@@ -3469,7 +3469,7 @@
             <a:blip r:embed="rId10">
               <a:extLst>
                 <a:ext uri="{96DAC541-7B7A-43D3-8B79-37D633B846F1}">
-                  <asvg:svgBlip xmlns:asvg="http://schemas.microsoft.com/office/drawing/2016/SVG/main" xmlns="" r:embed="rId11"/>
+                  <asvg:svgBlip xmlns="" xmlns:asvg="http://schemas.microsoft.com/office/drawing/2016/SVG/main" r:embed="rId11"/>
                 </a:ext>
               </a:extLst>
             </a:blip>
@@ -3554,7 +3554,7 @@
             <a:blip r:embed="rId2">
               <a:extLst>
                 <a:ext uri="{96DAC541-7B7A-43D3-8B79-37D633B846F1}">
-                  <asvg:svgBlip xmlns:asvg="http://schemas.microsoft.com/office/drawing/2016/SVG/main" xmlns="" r:embed="rId3"/>
+                  <asvg:svgBlip xmlns="" xmlns:asvg="http://schemas.microsoft.com/office/drawing/2016/SVG/main" r:embed="rId3"/>
                 </a:ext>
               </a:extLst>
             </a:blip>
@@ -3606,7 +3606,7 @@
             <a:blip r:embed="rId4">
               <a:extLst>
                 <a:ext uri="{96DAC541-7B7A-43D3-8B79-37D633B846F1}">
-                  <asvg:svgBlip xmlns:asvg="http://schemas.microsoft.com/office/drawing/2016/SVG/main" xmlns="" r:embed="rId5"/>
+                  <asvg:svgBlip xmlns="" xmlns:asvg="http://schemas.microsoft.com/office/drawing/2016/SVG/main" r:embed="rId5"/>
                 </a:ext>
               </a:extLst>
             </a:blip>
@@ -3658,7 +3658,7 @@
             <a:blip r:embed="rId6">
               <a:extLst>
                 <a:ext uri="{96DAC541-7B7A-43D3-8B79-37D633B846F1}">
-                  <asvg:svgBlip xmlns:asvg="http://schemas.microsoft.com/office/drawing/2016/SVG/main" xmlns="" r:embed="rId7"/>
+                  <asvg:svgBlip xmlns="" xmlns:asvg="http://schemas.microsoft.com/office/drawing/2016/SVG/main" r:embed="rId7"/>
                 </a:ext>
               </a:extLst>
             </a:blip>
@@ -3710,7 +3710,7 @@
             <a:blip r:embed="rId8">
               <a:extLst>
                 <a:ext uri="{96DAC541-7B7A-43D3-8B79-37D633B846F1}">
-                  <asvg:svgBlip xmlns:asvg="http://schemas.microsoft.com/office/drawing/2016/SVG/main" xmlns="" r:embed="rId9"/>
+                  <asvg:svgBlip xmlns="" xmlns:asvg="http://schemas.microsoft.com/office/drawing/2016/SVG/main" r:embed="rId9"/>
                 </a:ext>
               </a:extLst>
             </a:blip>
@@ -3762,7 +3762,7 @@
             <a:blip r:embed="rId10">
               <a:extLst>
                 <a:ext uri="{96DAC541-7B7A-43D3-8B79-37D633B846F1}">
-                  <asvg:svgBlip xmlns:asvg="http://schemas.microsoft.com/office/drawing/2016/SVG/main" xmlns="" r:embed="rId11"/>
+                  <asvg:svgBlip xmlns="" xmlns:asvg="http://schemas.microsoft.com/office/drawing/2016/SVG/main" r:embed="rId11"/>
                 </a:ext>
               </a:extLst>
             </a:blip>
@@ -4073,7 +4073,7 @@
             <a:blip r:embed="rId2">
               <a:extLst>
                 <a:ext uri="{96DAC541-7B7A-43D3-8B79-37D633B846F1}">
-                  <asvg:svgBlip xmlns:asvg="http://schemas.microsoft.com/office/drawing/2016/SVG/main" xmlns="" r:embed="rId3"/>
+                  <asvg:svgBlip xmlns="" xmlns:asvg="http://schemas.microsoft.com/office/drawing/2016/SVG/main" r:embed="rId3"/>
                 </a:ext>
               </a:extLst>
             </a:blip>
@@ -4125,7 +4125,7 @@
             <a:blip r:embed="rId4">
               <a:extLst>
                 <a:ext uri="{96DAC541-7B7A-43D3-8B79-37D633B846F1}">
-                  <asvg:svgBlip xmlns:asvg="http://schemas.microsoft.com/office/drawing/2016/SVG/main" xmlns="" r:embed="rId5"/>
+                  <asvg:svgBlip xmlns="" xmlns:asvg="http://schemas.microsoft.com/office/drawing/2016/SVG/main" r:embed="rId5"/>
                 </a:ext>
               </a:extLst>
             </a:blip>
@@ -4177,7 +4177,7 @@
             <a:blip r:embed="rId6">
               <a:extLst>
                 <a:ext uri="{96DAC541-7B7A-43D3-8B79-37D633B846F1}">
-                  <asvg:svgBlip xmlns:asvg="http://schemas.microsoft.com/office/drawing/2016/SVG/main" xmlns="" r:embed="rId7"/>
+                  <asvg:svgBlip xmlns="" xmlns:asvg="http://schemas.microsoft.com/office/drawing/2016/SVG/main" r:embed="rId7"/>
                 </a:ext>
               </a:extLst>
             </a:blip>
@@ -4229,7 +4229,7 @@
             <a:blip r:embed="rId8">
               <a:extLst>
                 <a:ext uri="{96DAC541-7B7A-43D3-8B79-37D633B846F1}">
-                  <asvg:svgBlip xmlns:asvg="http://schemas.microsoft.com/office/drawing/2016/SVG/main" xmlns="" r:embed="rId9"/>
+                  <asvg:svgBlip xmlns="" xmlns:asvg="http://schemas.microsoft.com/office/drawing/2016/SVG/main" r:embed="rId9"/>
                 </a:ext>
               </a:extLst>
             </a:blip>
@@ -4281,7 +4281,7 @@
             <a:blip r:embed="rId10">
               <a:extLst>
                 <a:ext uri="{96DAC541-7B7A-43D3-8B79-37D633B846F1}">
-                  <asvg:svgBlip xmlns:asvg="http://schemas.microsoft.com/office/drawing/2016/SVG/main" xmlns="" r:embed="rId11"/>
+                  <asvg:svgBlip xmlns="" xmlns:asvg="http://schemas.microsoft.com/office/drawing/2016/SVG/main" r:embed="rId11"/>
                 </a:ext>
               </a:extLst>
             </a:blip>
@@ -4453,7 +4453,7 @@
             <a:blip r:embed="rId2">
               <a:extLst>
                 <a:ext uri="{96DAC541-7B7A-43D3-8B79-37D633B846F1}">
-                  <asvg:svgBlip xmlns:asvg="http://schemas.microsoft.com/office/drawing/2016/SVG/main" xmlns="" r:embed="rId3"/>
+                  <asvg:svgBlip xmlns="" xmlns:asvg="http://schemas.microsoft.com/office/drawing/2016/SVG/main" r:embed="rId3"/>
                 </a:ext>
               </a:extLst>
             </a:blip>
@@ -4505,7 +4505,7 @@
             <a:blip r:embed="rId4">
               <a:extLst>
                 <a:ext uri="{96DAC541-7B7A-43D3-8B79-37D633B846F1}">
-                  <asvg:svgBlip xmlns:asvg="http://schemas.microsoft.com/office/drawing/2016/SVG/main" xmlns="" r:embed="rId5"/>
+                  <asvg:svgBlip xmlns="" xmlns:asvg="http://schemas.microsoft.com/office/drawing/2016/SVG/main" r:embed="rId5"/>
                 </a:ext>
               </a:extLst>
             </a:blip>
@@ -4557,7 +4557,7 @@
             <a:blip r:embed="rId6">
               <a:extLst>
                 <a:ext uri="{96DAC541-7B7A-43D3-8B79-37D633B846F1}">
-                  <asvg:svgBlip xmlns:asvg="http://schemas.microsoft.com/office/drawing/2016/SVG/main" xmlns="" r:embed="rId7"/>
+                  <asvg:svgBlip xmlns="" xmlns:asvg="http://schemas.microsoft.com/office/drawing/2016/SVG/main" r:embed="rId7"/>
                 </a:ext>
               </a:extLst>
             </a:blip>
@@ -4609,7 +4609,7 @@
             <a:blip r:embed="rId8">
               <a:extLst>
                 <a:ext uri="{96DAC541-7B7A-43D3-8B79-37D633B846F1}">
-                  <asvg:svgBlip xmlns:asvg="http://schemas.microsoft.com/office/drawing/2016/SVG/main" xmlns="" r:embed="rId9"/>
+                  <asvg:svgBlip xmlns="" xmlns:asvg="http://schemas.microsoft.com/office/drawing/2016/SVG/main" r:embed="rId9"/>
                 </a:ext>
               </a:extLst>
             </a:blip>
@@ -4661,7 +4661,7 @@
             <a:blip r:embed="rId10">
               <a:extLst>
                 <a:ext uri="{96DAC541-7B7A-43D3-8B79-37D633B846F1}">
-                  <asvg:svgBlip xmlns:asvg="http://schemas.microsoft.com/office/drawing/2016/SVG/main" xmlns="" r:embed="rId11"/>
+                  <asvg:svgBlip xmlns="" xmlns:asvg="http://schemas.microsoft.com/office/drawing/2016/SVG/main" r:embed="rId11"/>
                 </a:ext>
               </a:extLst>
             </a:blip>
@@ -4833,7 +4833,7 @@
             <a:blip r:embed="rId2">
               <a:extLst>
                 <a:ext uri="{96DAC541-7B7A-43D3-8B79-37D633B846F1}">
-                  <asvg:svgBlip xmlns:asvg="http://schemas.microsoft.com/office/drawing/2016/SVG/main" xmlns="" r:embed="rId3"/>
+                  <asvg:svgBlip xmlns="" xmlns:asvg="http://schemas.microsoft.com/office/drawing/2016/SVG/main" r:embed="rId3"/>
                 </a:ext>
               </a:extLst>
             </a:blip>
@@ -4885,7 +4885,7 @@
             <a:blip r:embed="rId4">
               <a:extLst>
                 <a:ext uri="{96DAC541-7B7A-43D3-8B79-37D633B846F1}">
-                  <asvg:svgBlip xmlns:asvg="http://schemas.microsoft.com/office/drawing/2016/SVG/main" xmlns="" r:embed="rId5"/>
+                  <asvg:svgBlip xmlns="" xmlns:asvg="http://schemas.microsoft.com/office/drawing/2016/SVG/main" r:embed="rId5"/>
                 </a:ext>
               </a:extLst>
             </a:blip>
@@ -4937,7 +4937,7 @@
             <a:blip r:embed="rId6">
               <a:extLst>
                 <a:ext uri="{96DAC541-7B7A-43D3-8B79-37D633B846F1}">
-                  <asvg:svgBlip xmlns:asvg="http://schemas.microsoft.com/office/drawing/2016/SVG/main" xmlns="" r:embed="rId7"/>
+                  <asvg:svgBlip xmlns="" xmlns:asvg="http://schemas.microsoft.com/office/drawing/2016/SVG/main" r:embed="rId7"/>
                 </a:ext>
               </a:extLst>
             </a:blip>
@@ -4989,7 +4989,7 @@
             <a:blip r:embed="rId8">
               <a:extLst>
                 <a:ext uri="{96DAC541-7B7A-43D3-8B79-37D633B846F1}">
-                  <asvg:svgBlip xmlns:asvg="http://schemas.microsoft.com/office/drawing/2016/SVG/main" xmlns="" r:embed="rId9"/>
+                  <asvg:svgBlip xmlns="" xmlns:asvg="http://schemas.microsoft.com/office/drawing/2016/SVG/main" r:embed="rId9"/>
                 </a:ext>
               </a:extLst>
             </a:blip>
@@ -5041,7 +5041,7 @@
             <a:blip r:embed="rId10">
               <a:extLst>
                 <a:ext uri="{96DAC541-7B7A-43D3-8B79-37D633B846F1}">
-                  <asvg:svgBlip xmlns:asvg="http://schemas.microsoft.com/office/drawing/2016/SVG/main" xmlns="" r:embed="rId11"/>
+                  <asvg:svgBlip xmlns="" xmlns:asvg="http://schemas.microsoft.com/office/drawing/2016/SVG/main" r:embed="rId11"/>
                 </a:ext>
               </a:extLst>
             </a:blip>
@@ -5441,7 +5441,7 @@
             <a:blip r:embed="rId2">
               <a:extLst>
                 <a:ext uri="{96DAC541-7B7A-43D3-8B79-37D633B846F1}">
-                  <asvg:svgBlip xmlns:asvg="http://schemas.microsoft.com/office/drawing/2016/SVG/main" xmlns="" r:embed="rId3"/>
+                  <asvg:svgBlip xmlns="" xmlns:asvg="http://schemas.microsoft.com/office/drawing/2016/SVG/main" r:embed="rId3"/>
                 </a:ext>
               </a:extLst>
             </a:blip>
@@ -5493,7 +5493,7 @@
             <a:blip r:embed="rId4">
               <a:extLst>
                 <a:ext uri="{96DAC541-7B7A-43D3-8B79-37D633B846F1}">
-                  <asvg:svgBlip xmlns:asvg="http://schemas.microsoft.com/office/drawing/2016/SVG/main" xmlns="" r:embed="rId5"/>
+                  <asvg:svgBlip xmlns="" xmlns:asvg="http://schemas.microsoft.com/office/drawing/2016/SVG/main" r:embed="rId5"/>
                 </a:ext>
               </a:extLst>
             </a:blip>
@@ -5545,7 +5545,7 @@
             <a:blip r:embed="rId6">
               <a:extLst>
                 <a:ext uri="{96DAC541-7B7A-43D3-8B79-37D633B846F1}">
-                  <asvg:svgBlip xmlns:asvg="http://schemas.microsoft.com/office/drawing/2016/SVG/main" xmlns="" r:embed="rId7"/>
+                  <asvg:svgBlip xmlns="" xmlns:asvg="http://schemas.microsoft.com/office/drawing/2016/SVG/main" r:embed="rId7"/>
                 </a:ext>
               </a:extLst>
             </a:blip>
@@ -5597,7 +5597,7 @@
             <a:blip r:embed="rId8">
               <a:extLst>
                 <a:ext uri="{96DAC541-7B7A-43D3-8B79-37D633B846F1}">
-                  <asvg:svgBlip xmlns:asvg="http://schemas.microsoft.com/office/drawing/2016/SVG/main" xmlns="" r:embed="rId9"/>
+                  <asvg:svgBlip xmlns="" xmlns:asvg="http://schemas.microsoft.com/office/drawing/2016/SVG/main" r:embed="rId9"/>
                 </a:ext>
               </a:extLst>
             </a:blip>
@@ -5649,7 +5649,7 @@
             <a:blip r:embed="rId10">
               <a:extLst>
                 <a:ext uri="{96DAC541-7B7A-43D3-8B79-37D633B846F1}">
-                  <asvg:svgBlip xmlns:asvg="http://schemas.microsoft.com/office/drawing/2016/SVG/main" xmlns="" r:embed="rId11"/>
+                  <asvg:svgBlip xmlns="" xmlns:asvg="http://schemas.microsoft.com/office/drawing/2016/SVG/main" r:embed="rId11"/>
                 </a:ext>
               </a:extLst>
             </a:blip>
@@ -5668,7 +5668,7 @@
         <p:spPr>
           <a:xfrm>
             <a:off x="1354905" y="258797"/>
-            <a:ext cx="10771764" cy="2797106"/>
+            <a:ext cx="10771764" cy="2872581"/>
           </a:xfrm>
           <a:prstGeom prst="rect">
             <a:avLst/>
@@ -5695,7 +5695,31 @@
                 <a:cs typeface="DM Serif Display"/>
                 <a:sym typeface="DM Serif Display"/>
               </a:rPr>
-              <a:t>HITHUB LINK</a:t>
+              <a:t>G</a:t>
+            </a:r>
+            <a:r>
+              <a:rPr lang="en-US" sz="8002" smtClean="0">
+                <a:solidFill>
+                  <a:srgbClr val="423734"/>
+                </a:solidFill>
+                <a:latin typeface="DM Serif Display"/>
+                <a:ea typeface="DM Serif Display"/>
+                <a:cs typeface="DM Serif Display"/>
+                <a:sym typeface="DM Serif Display"/>
+              </a:rPr>
+              <a:t>ITHUB </a:t>
+            </a:r>
+            <a:r>
+              <a:rPr lang="en-US" sz="8002" dirty="0">
+                <a:solidFill>
+                  <a:srgbClr val="423734"/>
+                </a:solidFill>
+                <a:latin typeface="DM Serif Display"/>
+                <a:ea typeface="DM Serif Display"/>
+                <a:cs typeface="DM Serif Display"/>
+                <a:sym typeface="DM Serif Display"/>
+              </a:rPr>
+              <a:t>LINK</a:t>
             </a:r>
           </a:p>
           <a:p>
@@ -5704,7 +5728,7 @@
                 <a:spcPts val="11203"/>
               </a:lnSpc>
             </a:pPr>
-            <a:endParaRPr lang="en-US" sz="8002">
+            <a:endParaRPr lang="en-US" sz="8002" dirty="0">
               <a:solidFill>
                 <a:srgbClr val="423734"/>
               </a:solidFill>
@@ -5880,7 +5904,7 @@
             <a:blip r:embed="rId2">
               <a:extLst>
                 <a:ext uri="{96DAC541-7B7A-43D3-8B79-37D633B846F1}">
-                  <asvg:svgBlip xmlns:asvg="http://schemas.microsoft.com/office/drawing/2016/SVG/main" xmlns="" r:embed="rId3"/>
+                  <asvg:svgBlip xmlns="" xmlns:asvg="http://schemas.microsoft.com/office/drawing/2016/SVG/main" r:embed="rId3"/>
                 </a:ext>
               </a:extLst>
             </a:blip>
@@ -5932,7 +5956,7 @@
             <a:blip r:embed="rId4">
               <a:extLst>
                 <a:ext uri="{96DAC541-7B7A-43D3-8B79-37D633B846F1}">
-                  <asvg:svgBlip xmlns:asvg="http://schemas.microsoft.com/office/drawing/2016/SVG/main" xmlns="" r:embed="rId5"/>
+                  <asvg:svgBlip xmlns="" xmlns:asvg="http://schemas.microsoft.com/office/drawing/2016/SVG/main" r:embed="rId5"/>
                 </a:ext>
               </a:extLst>
             </a:blip>
@@ -5984,7 +6008,7 @@
             <a:blip r:embed="rId6">
               <a:extLst>
                 <a:ext uri="{96DAC541-7B7A-43D3-8B79-37D633B846F1}">
-                  <asvg:svgBlip xmlns:asvg="http://schemas.microsoft.com/office/drawing/2016/SVG/main" xmlns="" r:embed="rId7"/>
+                  <asvg:svgBlip xmlns="" xmlns:asvg="http://schemas.microsoft.com/office/drawing/2016/SVG/main" r:embed="rId7"/>
                 </a:ext>
               </a:extLst>
             </a:blip>
@@ -6036,7 +6060,7 @@
             <a:blip r:embed="rId8">
               <a:extLst>
                 <a:ext uri="{96DAC541-7B7A-43D3-8B79-37D633B846F1}">
-                  <asvg:svgBlip xmlns:asvg="http://schemas.microsoft.com/office/drawing/2016/SVG/main" xmlns="" r:embed="rId9"/>
+                  <asvg:svgBlip xmlns="" xmlns:asvg="http://schemas.microsoft.com/office/drawing/2016/SVG/main" r:embed="rId9"/>
                 </a:ext>
               </a:extLst>
             </a:blip>
@@ -6088,7 +6112,7 @@
             <a:blip r:embed="rId10">
               <a:extLst>
                 <a:ext uri="{96DAC541-7B7A-43D3-8B79-37D633B846F1}">
-                  <asvg:svgBlip xmlns:asvg="http://schemas.microsoft.com/office/drawing/2016/SVG/main" xmlns="" r:embed="rId11"/>
+                  <asvg:svgBlip xmlns="" xmlns:asvg="http://schemas.microsoft.com/office/drawing/2016/SVG/main" r:embed="rId11"/>
                 </a:ext>
               </a:extLst>
             </a:blip>
@@ -6140,7 +6164,7 @@
             <a:blip r:embed="rId2">
               <a:extLst>
                 <a:ext uri="{96DAC541-7B7A-43D3-8B79-37D633B846F1}">
-                  <asvg:svgBlip xmlns:asvg="http://schemas.microsoft.com/office/drawing/2016/SVG/main" xmlns="" r:embed="rId3"/>
+                  <asvg:svgBlip xmlns="" xmlns:asvg="http://schemas.microsoft.com/office/drawing/2016/SVG/main" r:embed="rId3"/>
                 </a:ext>
               </a:extLst>
             </a:blip>
@@ -6379,7 +6403,7 @@
             <a:blip r:embed="rId2">
               <a:extLst>
                 <a:ext uri="{96DAC541-7B7A-43D3-8B79-37D633B846F1}">
-                  <asvg:svgBlip xmlns:asvg="http://schemas.microsoft.com/office/drawing/2016/SVG/main" xmlns="" r:embed="rId3"/>
+                  <asvg:svgBlip xmlns="" xmlns:asvg="http://schemas.microsoft.com/office/drawing/2016/SVG/main" r:embed="rId3"/>
                 </a:ext>
               </a:extLst>
             </a:blip>
@@ -6431,7 +6455,7 @@
             <a:blip r:embed="rId4">
               <a:extLst>
                 <a:ext uri="{96DAC541-7B7A-43D3-8B79-37D633B846F1}">
-                  <asvg:svgBlip xmlns:asvg="http://schemas.microsoft.com/office/drawing/2016/SVG/main" xmlns="" r:embed="rId5"/>
+                  <asvg:svgBlip xmlns="" xmlns:asvg="http://schemas.microsoft.com/office/drawing/2016/SVG/main" r:embed="rId5"/>
                 </a:ext>
               </a:extLst>
             </a:blip>
@@ -6483,7 +6507,7 @@
             <a:blip r:embed="rId6">
               <a:extLst>
                 <a:ext uri="{96DAC541-7B7A-43D3-8B79-37D633B846F1}">
-                  <asvg:svgBlip xmlns:asvg="http://schemas.microsoft.com/office/drawing/2016/SVG/main" xmlns="" r:embed="rId7"/>
+                  <asvg:svgBlip xmlns="" xmlns:asvg="http://schemas.microsoft.com/office/drawing/2016/SVG/main" r:embed="rId7"/>
                 </a:ext>
               </a:extLst>
             </a:blip>
@@ -6535,7 +6559,7 @@
             <a:blip r:embed="rId8">
               <a:extLst>
                 <a:ext uri="{96DAC541-7B7A-43D3-8B79-37D633B846F1}">
-                  <asvg:svgBlip xmlns:asvg="http://schemas.microsoft.com/office/drawing/2016/SVG/main" xmlns="" r:embed="rId9"/>
+                  <asvg:svgBlip xmlns="" xmlns:asvg="http://schemas.microsoft.com/office/drawing/2016/SVG/main" r:embed="rId9"/>
                 </a:ext>
               </a:extLst>
             </a:blip>
@@ -6587,7 +6611,7 @@
             <a:blip r:embed="rId10">
               <a:extLst>
                 <a:ext uri="{96DAC541-7B7A-43D3-8B79-37D633B846F1}">
-                  <asvg:svgBlip xmlns:asvg="http://schemas.microsoft.com/office/drawing/2016/SVG/main" xmlns="" r:embed="rId11"/>
+                  <asvg:svgBlip xmlns="" xmlns:asvg="http://schemas.microsoft.com/office/drawing/2016/SVG/main" r:embed="rId11"/>
                 </a:ext>
               </a:extLst>
             </a:blip>
@@ -6672,7 +6696,7 @@
             <a:blip r:embed="rId2">
               <a:extLst>
                 <a:ext uri="{96DAC541-7B7A-43D3-8B79-37D633B846F1}">
-                  <asvg:svgBlip xmlns:asvg="http://schemas.microsoft.com/office/drawing/2016/SVG/main" xmlns="" r:embed="rId3"/>
+                  <asvg:svgBlip xmlns="" xmlns:asvg="http://schemas.microsoft.com/office/drawing/2016/SVG/main" r:embed="rId3"/>
                 </a:ext>
               </a:extLst>
             </a:blip>
@@ -6724,7 +6748,7 @@
             <a:blip r:embed="rId4">
               <a:extLst>
                 <a:ext uri="{96DAC541-7B7A-43D3-8B79-37D633B846F1}">
-                  <asvg:svgBlip xmlns:asvg="http://schemas.microsoft.com/office/drawing/2016/SVG/main" xmlns="" r:embed="rId5"/>
+                  <asvg:svgBlip xmlns="" xmlns:asvg="http://schemas.microsoft.com/office/drawing/2016/SVG/main" r:embed="rId5"/>
                 </a:ext>
               </a:extLst>
             </a:blip>
@@ -6776,7 +6800,7 @@
             <a:blip r:embed="rId6">
               <a:extLst>
                 <a:ext uri="{96DAC541-7B7A-43D3-8B79-37D633B846F1}">
-                  <asvg:svgBlip xmlns:asvg="http://schemas.microsoft.com/office/drawing/2016/SVG/main" xmlns="" r:embed="rId7"/>
+                  <asvg:svgBlip xmlns="" xmlns:asvg="http://schemas.microsoft.com/office/drawing/2016/SVG/main" r:embed="rId7"/>
                 </a:ext>
               </a:extLst>
             </a:blip>
@@ -6828,7 +6852,7 @@
             <a:blip r:embed="rId8">
               <a:extLst>
                 <a:ext uri="{96DAC541-7B7A-43D3-8B79-37D633B846F1}">
-                  <asvg:svgBlip xmlns:asvg="http://schemas.microsoft.com/office/drawing/2016/SVG/main" xmlns="" r:embed="rId9"/>
+                  <asvg:svgBlip xmlns="" xmlns:asvg="http://schemas.microsoft.com/office/drawing/2016/SVG/main" r:embed="rId9"/>
                 </a:ext>
               </a:extLst>
             </a:blip>
@@ -6880,7 +6904,7 @@
             <a:blip r:embed="rId10">
               <a:extLst>
                 <a:ext uri="{96DAC541-7B7A-43D3-8B79-37D633B846F1}">
-                  <asvg:svgBlip xmlns:asvg="http://schemas.microsoft.com/office/drawing/2016/SVG/main" xmlns="" r:embed="rId11"/>
+                  <asvg:svgBlip xmlns="" xmlns:asvg="http://schemas.microsoft.com/office/drawing/2016/SVG/main" r:embed="rId11"/>
                 </a:ext>
               </a:extLst>
             </a:blip>
@@ -7047,7 +7071,7 @@
             <a:blip r:embed="rId2">
               <a:extLst>
                 <a:ext uri="{96DAC541-7B7A-43D3-8B79-37D633B846F1}">
-                  <asvg:svgBlip xmlns:asvg="http://schemas.microsoft.com/office/drawing/2016/SVG/main" xmlns="" r:embed="rId3"/>
+                  <asvg:svgBlip xmlns="" xmlns:asvg="http://schemas.microsoft.com/office/drawing/2016/SVG/main" r:embed="rId3"/>
                 </a:ext>
               </a:extLst>
             </a:blip>
@@ -7099,7 +7123,7 @@
             <a:blip r:embed="rId4">
               <a:extLst>
                 <a:ext uri="{96DAC541-7B7A-43D3-8B79-37D633B846F1}">
-                  <asvg:svgBlip xmlns:asvg="http://schemas.microsoft.com/office/drawing/2016/SVG/main" xmlns="" r:embed="rId5"/>
+                  <asvg:svgBlip xmlns="" xmlns:asvg="http://schemas.microsoft.com/office/drawing/2016/SVG/main" r:embed="rId5"/>
                 </a:ext>
               </a:extLst>
             </a:blip>
@@ -7151,7 +7175,7 @@
             <a:blip r:embed="rId6">
               <a:extLst>
                 <a:ext uri="{96DAC541-7B7A-43D3-8B79-37D633B846F1}">
-                  <asvg:svgBlip xmlns:asvg="http://schemas.microsoft.com/office/drawing/2016/SVG/main" xmlns="" r:embed="rId7"/>
+                  <asvg:svgBlip xmlns="" xmlns:asvg="http://schemas.microsoft.com/office/drawing/2016/SVG/main" r:embed="rId7"/>
                 </a:ext>
               </a:extLst>
             </a:blip>
@@ -7203,7 +7227,7 @@
             <a:blip r:embed="rId8">
               <a:extLst>
                 <a:ext uri="{96DAC541-7B7A-43D3-8B79-37D633B846F1}">
-                  <asvg:svgBlip xmlns:asvg="http://schemas.microsoft.com/office/drawing/2016/SVG/main" xmlns="" r:embed="rId9"/>
+                  <asvg:svgBlip xmlns="" xmlns:asvg="http://schemas.microsoft.com/office/drawing/2016/SVG/main" r:embed="rId9"/>
                 </a:ext>
               </a:extLst>
             </a:blip>
@@ -7255,7 +7279,7 @@
             <a:blip r:embed="rId10">
               <a:extLst>
                 <a:ext uri="{96DAC541-7B7A-43D3-8B79-37D633B846F1}">
-                  <asvg:svgBlip xmlns:asvg="http://schemas.microsoft.com/office/drawing/2016/SVG/main" xmlns="" r:embed="rId11"/>
+                  <asvg:svgBlip xmlns="" xmlns:asvg="http://schemas.microsoft.com/office/drawing/2016/SVG/main" r:embed="rId11"/>
                 </a:ext>
               </a:extLst>
             </a:blip>
@@ -7592,7 +7616,7 @@
             <a:blip r:embed="rId2">
               <a:extLst>
                 <a:ext uri="{96DAC541-7B7A-43D3-8B79-37D633B846F1}">
-                  <asvg:svgBlip xmlns:asvg="http://schemas.microsoft.com/office/drawing/2016/SVG/main" xmlns="" r:embed="rId3"/>
+                  <asvg:svgBlip xmlns="" xmlns:asvg="http://schemas.microsoft.com/office/drawing/2016/SVG/main" r:embed="rId3"/>
                 </a:ext>
               </a:extLst>
             </a:blip>
@@ -7644,7 +7668,7 @@
             <a:blip r:embed="rId4">
               <a:extLst>
                 <a:ext uri="{96DAC541-7B7A-43D3-8B79-37D633B846F1}">
-                  <asvg:svgBlip xmlns:asvg="http://schemas.microsoft.com/office/drawing/2016/SVG/main" xmlns="" r:embed="rId5"/>
+                  <asvg:svgBlip xmlns="" xmlns:asvg="http://schemas.microsoft.com/office/drawing/2016/SVG/main" r:embed="rId5"/>
                 </a:ext>
               </a:extLst>
             </a:blip>
@@ -7696,7 +7720,7 @@
             <a:blip r:embed="rId6">
               <a:extLst>
                 <a:ext uri="{96DAC541-7B7A-43D3-8B79-37D633B846F1}">
-                  <asvg:svgBlip xmlns:asvg="http://schemas.microsoft.com/office/drawing/2016/SVG/main" xmlns="" r:embed="rId7"/>
+                  <asvg:svgBlip xmlns="" xmlns:asvg="http://schemas.microsoft.com/office/drawing/2016/SVG/main" r:embed="rId7"/>
                 </a:ext>
               </a:extLst>
             </a:blip>
@@ -7748,7 +7772,7 @@
             <a:blip r:embed="rId8">
               <a:extLst>
                 <a:ext uri="{96DAC541-7B7A-43D3-8B79-37D633B846F1}">
-                  <asvg:svgBlip xmlns:asvg="http://schemas.microsoft.com/office/drawing/2016/SVG/main" xmlns="" r:embed="rId9"/>
+                  <asvg:svgBlip xmlns="" xmlns:asvg="http://schemas.microsoft.com/office/drawing/2016/SVG/main" r:embed="rId9"/>
                 </a:ext>
               </a:extLst>
             </a:blip>
@@ -7800,7 +7824,7 @@
             <a:blip r:embed="rId10">
               <a:extLst>
                 <a:ext uri="{96DAC541-7B7A-43D3-8B79-37D633B846F1}">
-                  <asvg:svgBlip xmlns:asvg="http://schemas.microsoft.com/office/drawing/2016/SVG/main" xmlns="" r:embed="rId11"/>
+                  <asvg:svgBlip xmlns="" xmlns:asvg="http://schemas.microsoft.com/office/drawing/2016/SVG/main" r:embed="rId11"/>
                 </a:ext>
               </a:extLst>
             </a:blip>
@@ -7967,7 +7991,7 @@
             <a:blip r:embed="rId2">
               <a:extLst>
                 <a:ext uri="{96DAC541-7B7A-43D3-8B79-37D633B846F1}">
-                  <asvg:svgBlip xmlns:asvg="http://schemas.microsoft.com/office/drawing/2016/SVG/main" xmlns="" r:embed="rId3"/>
+                  <asvg:svgBlip xmlns="" xmlns:asvg="http://schemas.microsoft.com/office/drawing/2016/SVG/main" r:embed="rId3"/>
                 </a:ext>
               </a:extLst>
             </a:blip>
@@ -8019,7 +8043,7 @@
             <a:blip r:embed="rId4">
               <a:extLst>
                 <a:ext uri="{96DAC541-7B7A-43D3-8B79-37D633B846F1}">
-                  <asvg:svgBlip xmlns:asvg="http://schemas.microsoft.com/office/drawing/2016/SVG/main" xmlns="" r:embed="rId5"/>
+                  <asvg:svgBlip xmlns="" xmlns:asvg="http://schemas.microsoft.com/office/drawing/2016/SVG/main" r:embed="rId5"/>
                 </a:ext>
               </a:extLst>
             </a:blip>
@@ -8071,7 +8095,7 @@
             <a:blip r:embed="rId6">
               <a:extLst>
                 <a:ext uri="{96DAC541-7B7A-43D3-8B79-37D633B846F1}">
-                  <asvg:svgBlip xmlns:asvg="http://schemas.microsoft.com/office/drawing/2016/SVG/main" xmlns="" r:embed="rId7"/>
+                  <asvg:svgBlip xmlns="" xmlns:asvg="http://schemas.microsoft.com/office/drawing/2016/SVG/main" r:embed="rId7"/>
                 </a:ext>
               </a:extLst>
             </a:blip>
@@ -8123,7 +8147,7 @@
             <a:blip r:embed="rId8">
               <a:extLst>
                 <a:ext uri="{96DAC541-7B7A-43D3-8B79-37D633B846F1}">
-                  <asvg:svgBlip xmlns:asvg="http://schemas.microsoft.com/office/drawing/2016/SVG/main" xmlns="" r:embed="rId9"/>
+                  <asvg:svgBlip xmlns="" xmlns:asvg="http://schemas.microsoft.com/office/drawing/2016/SVG/main" r:embed="rId9"/>
                 </a:ext>
               </a:extLst>
             </a:blip>
@@ -8175,7 +8199,7 @@
             <a:blip r:embed="rId10">
               <a:extLst>
                 <a:ext uri="{96DAC541-7B7A-43D3-8B79-37D633B846F1}">
-                  <asvg:svgBlip xmlns:asvg="http://schemas.microsoft.com/office/drawing/2016/SVG/main" xmlns="" r:embed="rId11"/>
+                  <asvg:svgBlip xmlns="" xmlns:asvg="http://schemas.microsoft.com/office/drawing/2016/SVG/main" r:embed="rId11"/>
                 </a:ext>
               </a:extLst>
             </a:blip>
@@ -8517,7 +8541,7 @@
             <a:blip r:embed="rId2">
               <a:extLst>
                 <a:ext uri="{96DAC541-7B7A-43D3-8B79-37D633B846F1}">
-                  <asvg:svgBlip xmlns:asvg="http://schemas.microsoft.com/office/drawing/2016/SVG/main" xmlns="" r:embed="rId3"/>
+                  <asvg:svgBlip xmlns="" xmlns:asvg="http://schemas.microsoft.com/office/drawing/2016/SVG/main" r:embed="rId3"/>
                 </a:ext>
               </a:extLst>
             </a:blip>
@@ -8569,7 +8593,7 @@
             <a:blip r:embed="rId4">
               <a:extLst>
                 <a:ext uri="{96DAC541-7B7A-43D3-8B79-37D633B846F1}">
-                  <asvg:svgBlip xmlns:asvg="http://schemas.microsoft.com/office/drawing/2016/SVG/main" xmlns="" r:embed="rId5"/>
+                  <asvg:svgBlip xmlns="" xmlns:asvg="http://schemas.microsoft.com/office/drawing/2016/SVG/main" r:embed="rId5"/>
                 </a:ext>
               </a:extLst>
             </a:blip>
@@ -8621,7 +8645,7 @@
             <a:blip r:embed="rId6">
               <a:extLst>
                 <a:ext uri="{96DAC541-7B7A-43D3-8B79-37D633B846F1}">
-                  <asvg:svgBlip xmlns:asvg="http://schemas.microsoft.com/office/drawing/2016/SVG/main" xmlns="" r:embed="rId7"/>
+                  <asvg:svgBlip xmlns="" xmlns:asvg="http://schemas.microsoft.com/office/drawing/2016/SVG/main" r:embed="rId7"/>
                 </a:ext>
               </a:extLst>
             </a:blip>
@@ -8673,7 +8697,7 @@
             <a:blip r:embed="rId8">
               <a:extLst>
                 <a:ext uri="{96DAC541-7B7A-43D3-8B79-37D633B846F1}">
-                  <asvg:svgBlip xmlns:asvg="http://schemas.microsoft.com/office/drawing/2016/SVG/main" xmlns="" r:embed="rId9"/>
+                  <asvg:svgBlip xmlns="" xmlns:asvg="http://schemas.microsoft.com/office/drawing/2016/SVG/main" r:embed="rId9"/>
                 </a:ext>
               </a:extLst>
             </a:blip>
@@ -8725,7 +8749,7 @@
             <a:blip r:embed="rId10">
               <a:extLst>
                 <a:ext uri="{96DAC541-7B7A-43D3-8B79-37D633B846F1}">
-                  <asvg:svgBlip xmlns:asvg="http://schemas.microsoft.com/office/drawing/2016/SVG/main" xmlns="" r:embed="rId11"/>
+                  <asvg:svgBlip xmlns="" xmlns:asvg="http://schemas.microsoft.com/office/drawing/2016/SVG/main" r:embed="rId11"/>
                 </a:ext>
               </a:extLst>
             </a:blip>
@@ -9015,7 +9039,7 @@
             <a:blip r:embed="rId2">
               <a:extLst>
                 <a:ext uri="{96DAC541-7B7A-43D3-8B79-37D633B846F1}">
-                  <asvg:svgBlip xmlns:asvg="http://schemas.microsoft.com/office/drawing/2016/SVG/main" xmlns="" r:embed="rId3"/>
+                  <asvg:svgBlip xmlns="" xmlns:asvg="http://schemas.microsoft.com/office/drawing/2016/SVG/main" r:embed="rId3"/>
                 </a:ext>
               </a:extLst>
             </a:blip>
@@ -9067,7 +9091,7 @@
             <a:blip r:embed="rId4">
               <a:extLst>
                 <a:ext uri="{96DAC541-7B7A-43D3-8B79-37D633B846F1}">
-                  <asvg:svgBlip xmlns:asvg="http://schemas.microsoft.com/office/drawing/2016/SVG/main" xmlns="" r:embed="rId5"/>
+                  <asvg:svgBlip xmlns="" xmlns:asvg="http://schemas.microsoft.com/office/drawing/2016/SVG/main" r:embed="rId5"/>
                 </a:ext>
               </a:extLst>
             </a:blip>
@@ -9119,7 +9143,7 @@
             <a:blip r:embed="rId6">
               <a:extLst>
                 <a:ext uri="{96DAC541-7B7A-43D3-8B79-37D633B846F1}">
-                  <asvg:svgBlip xmlns:asvg="http://schemas.microsoft.com/office/drawing/2016/SVG/main" xmlns="" r:embed="rId7"/>
+                  <asvg:svgBlip xmlns="" xmlns:asvg="http://schemas.microsoft.com/office/drawing/2016/SVG/main" r:embed="rId7"/>
                 </a:ext>
               </a:extLst>
             </a:blip>
@@ -9171,7 +9195,7 @@
             <a:blip r:embed="rId8">
               <a:extLst>
                 <a:ext uri="{96DAC541-7B7A-43D3-8B79-37D633B846F1}">
-                  <asvg:svgBlip xmlns:asvg="http://schemas.microsoft.com/office/drawing/2016/SVG/main" xmlns="" r:embed="rId9"/>
+                  <asvg:svgBlip xmlns="" xmlns:asvg="http://schemas.microsoft.com/office/drawing/2016/SVG/main" r:embed="rId9"/>
                 </a:ext>
               </a:extLst>
             </a:blip>
@@ -9223,7 +9247,7 @@
             <a:blip r:embed="rId10">
               <a:extLst>
                 <a:ext uri="{96DAC541-7B7A-43D3-8B79-37D633B846F1}">
-                  <asvg:svgBlip xmlns:asvg="http://schemas.microsoft.com/office/drawing/2016/SVG/main" xmlns="" r:embed="rId11"/>
+                  <asvg:svgBlip xmlns="" xmlns:asvg="http://schemas.microsoft.com/office/drawing/2016/SVG/main" r:embed="rId11"/>
                 </a:ext>
               </a:extLst>
             </a:blip>
@@ -9471,7 +9495,7 @@
             <a:blip r:embed="rId2">
               <a:extLst>
                 <a:ext uri="{96DAC541-7B7A-43D3-8B79-37D633B846F1}">
-                  <asvg:svgBlip xmlns:asvg="http://schemas.microsoft.com/office/drawing/2016/SVG/main" xmlns="" r:embed="rId3"/>
+                  <asvg:svgBlip xmlns="" xmlns:asvg="http://schemas.microsoft.com/office/drawing/2016/SVG/main" r:embed="rId3"/>
                 </a:ext>
               </a:extLst>
             </a:blip>
@@ -9523,7 +9547,7 @@
             <a:blip r:embed="rId4">
               <a:extLst>
                 <a:ext uri="{96DAC541-7B7A-43D3-8B79-37D633B846F1}">
-                  <asvg:svgBlip xmlns:asvg="http://schemas.microsoft.com/office/drawing/2016/SVG/main" xmlns="" r:embed="rId5"/>
+                  <asvg:svgBlip xmlns="" xmlns:asvg="http://schemas.microsoft.com/office/drawing/2016/SVG/main" r:embed="rId5"/>
                 </a:ext>
               </a:extLst>
             </a:blip>
@@ -9575,7 +9599,7 @@
             <a:blip r:embed="rId6">
               <a:extLst>
                 <a:ext uri="{96DAC541-7B7A-43D3-8B79-37D633B846F1}">
-                  <asvg:svgBlip xmlns:asvg="http://schemas.microsoft.com/office/drawing/2016/SVG/main" xmlns="" r:embed="rId7"/>
+                  <asvg:svgBlip xmlns="" xmlns:asvg="http://schemas.microsoft.com/office/drawing/2016/SVG/main" r:embed="rId7"/>
                 </a:ext>
               </a:extLst>
             </a:blip>
@@ -9627,7 +9651,7 @@
             <a:blip r:embed="rId8">
               <a:extLst>
                 <a:ext uri="{96DAC541-7B7A-43D3-8B79-37D633B846F1}">
-                  <asvg:svgBlip xmlns:asvg="http://schemas.microsoft.com/office/drawing/2016/SVG/main" xmlns="" r:embed="rId9"/>
+                  <asvg:svgBlip xmlns="" xmlns:asvg="http://schemas.microsoft.com/office/drawing/2016/SVG/main" r:embed="rId9"/>
                 </a:ext>
               </a:extLst>
             </a:blip>
@@ -9679,7 +9703,7 @@
             <a:blip r:embed="rId10">
               <a:extLst>
                 <a:ext uri="{96DAC541-7B7A-43D3-8B79-37D633B846F1}">
-                  <asvg:svgBlip xmlns:asvg="http://schemas.microsoft.com/office/drawing/2016/SVG/main" xmlns="" r:embed="rId11"/>
+                  <asvg:svgBlip xmlns="" xmlns:asvg="http://schemas.microsoft.com/office/drawing/2016/SVG/main" r:embed="rId11"/>
                 </a:ext>
               </a:extLst>
             </a:blip>
